--- a/Project Steps.pptx
+++ b/Project Steps.pptx
@@ -6,7 +6,6 @@
   </p:sldMasterIdLst>
   <p:sldIdLst>
     <p:sldId id="256" r:id="rId2"/>
-    <p:sldId id="257" r:id="rId3"/>
   </p:sldIdLst>
   <p:sldSz cx="12192000" cy="6858000"/>
   <p:notesSz cx="6858000" cy="9144000"/>
@@ -105,6 +104,11 @@
       </a:defRPr>
     </a:lvl9pPr>
   </p:defaultTextStyle>
+  <p:extLst>
+    <p:ext uri="{EFAFB233-063F-42B5-8137-9DF3F51BA10A}">
+      <p15:sldGuideLst xmlns:p15="http://schemas.microsoft.com/office/powerpoint/2012/main"/>
+    </p:ext>
+  </p:extLst>
 </p:presentation>
 </file>
 
@@ -3018,15 +3022,7 @@
                   <a:srgbClr val="7030A0"/>
                 </a:solidFill>
               </a:rPr>
-              <a:t>– Pay </a:t>
-            </a:r>
-            <a:r>
-              <a:rPr lang="en-US" sz="3200" dirty="0" smtClean="0">
-                <a:solidFill>
-                  <a:srgbClr val="7030A0"/>
-                </a:solidFill>
-              </a:rPr>
-              <a:t>attention to orientation and artifacts</a:t>
+              <a:t>– Pay attention to orientation and artifacts</a:t>
             </a:r>
           </a:p>
           <a:p>
@@ -3046,15 +3042,15 @@
                   <a:srgbClr val="7030A0"/>
                 </a:solidFill>
               </a:rPr>
-              <a:t>2) </a:t>
-            </a:r>
-            <a:r>
-              <a:rPr lang="en-US" sz="4000" b="1" dirty="0" smtClean="0">
+              <a:t>2) Functions</a:t>
+            </a:r>
+            <a:r>
+              <a:rPr lang="en-US" sz="3200" dirty="0" smtClean="0">
                 <a:solidFill>
                   <a:srgbClr val="7030A0"/>
                 </a:solidFill>
               </a:rPr>
-              <a:t>Functions</a:t>
+              <a:t> </a:t>
             </a:r>
             <a:r>
               <a:rPr lang="en-US" sz="4000" dirty="0" smtClean="0">
@@ -3062,7 +3058,7 @@
                   <a:srgbClr val="7030A0"/>
                 </a:solidFill>
               </a:rPr>
-              <a:t> – </a:t>
+              <a:t>– </a:t>
             </a:r>
             <a:r>
               <a:rPr lang="en-US" sz="3200" dirty="0" smtClean="0">
@@ -3175,65 +3171,6 @@
     <p:extLst>
       <p:ext uri="{BB962C8B-B14F-4D97-AF65-F5344CB8AC3E}">
         <p14:creationId xmlns:p14="http://schemas.microsoft.com/office/powerpoint/2010/main" val="1437823551"/>
-      </p:ext>
-    </p:extLst>
-  </p:cSld>
-  <p:clrMapOvr>
-    <a:masterClrMapping/>
-  </p:clrMapOvr>
-</p:sld>
-</file>
-
-<file path=ppt/slides/slide2.xml><?xml version="1.0" encoding="utf-8"?>
-<p:sld xmlns:a="http://schemas.openxmlformats.org/drawingml/2006/main" xmlns:r="http://schemas.openxmlformats.org/officeDocument/2006/relationships" xmlns:p="http://schemas.openxmlformats.org/presentationml/2006/main">
-  <p:cSld>
-    <p:spTree>
-      <p:nvGrpSpPr>
-        <p:cNvPr id="1" name=""/>
-        <p:cNvGrpSpPr/>
-        <p:nvPr/>
-      </p:nvGrpSpPr>
-      <p:grpSpPr>
-        <a:xfrm>
-          <a:off x="0" y="0"/>
-          <a:ext cx="0" cy="0"/>
-          <a:chOff x="0" y="0"/>
-          <a:chExt cx="0" cy="0"/>
-        </a:xfrm>
-      </p:grpSpPr>
-      <p:sp>
-        <p:nvSpPr>
-          <p:cNvPr id="4" name="Rectangle 3"/>
-          <p:cNvSpPr/>
-          <p:nvPr/>
-        </p:nvSpPr>
-        <p:spPr>
-          <a:xfrm>
-            <a:off x="1099336" y="3051425"/>
-            <a:ext cx="9030984" cy="646331"/>
-          </a:xfrm>
-          <a:prstGeom prst="rect">
-            <a:avLst/>
-          </a:prstGeom>
-        </p:spPr>
-        <p:txBody>
-          <a:bodyPr wrap="square">
-            <a:spAutoFit/>
-          </a:bodyPr>
-          <a:lstStyle/>
-          <a:p>
-            <a:r>
-              <a:rPr lang="en-US" dirty="0" smtClean="0"/>
-              <a:t>https://docs.google.com/document/d/1sAb-kw-46GYtKMZ7XG7lzkBF_S5F9_p8xEQSC6nC91w/edit?usp=sharing</a:t>
-            </a:r>
-            <a:endParaRPr lang="en-US" dirty="0"/>
-          </a:p>
-        </p:txBody>
-      </p:sp>
-    </p:spTree>
-    <p:extLst>
-      <p:ext uri="{BB962C8B-B14F-4D97-AF65-F5344CB8AC3E}">
-        <p14:creationId xmlns:p14="http://schemas.microsoft.com/office/powerpoint/2010/main" val="2828715689"/>
       </p:ext>
     </p:extLst>
   </p:cSld>
